--- a/images/ERD_proposed.pptx
+++ b/images/ERD_proposed.pptx
@@ -104,6 +104,11 @@
       </a:defRPr>
     </a:lvl9pPr>
   </p:defaultTextStyle>
+  <p:extLst>
+    <p:ext uri="{EFAFB233-063F-42B5-8137-9DF3F51BA10A}">
+      <p15:sldGuideLst xmlns:p15="http://schemas.microsoft.com/office/powerpoint/2012/main"/>
+    </p:ext>
+  </p:extLst>
 </p:presentation>
 </file>
 
@@ -238,7 +243,7 @@
           <a:p>
             <a:fld id="{D6598D8A-86F7-49BC-8713-CAAA73ADB189}" type="datetimeFigureOut">
               <a:rPr lang="en-US" smtClean="0"/>
-              <a:t>3/9/2018</a:t>
+              <a:t>1/28/2019</a:t>
             </a:fld>
             <a:endParaRPr lang="en-US"/>
           </a:p>
@@ -408,7 +413,7 @@
           <a:p>
             <a:fld id="{D6598D8A-86F7-49BC-8713-CAAA73ADB189}" type="datetimeFigureOut">
               <a:rPr lang="en-US" smtClean="0"/>
-              <a:t>3/9/2018</a:t>
+              <a:t>1/28/2019</a:t>
             </a:fld>
             <a:endParaRPr lang="en-US"/>
           </a:p>
@@ -588,7 +593,7 @@
           <a:p>
             <a:fld id="{D6598D8A-86F7-49BC-8713-CAAA73ADB189}" type="datetimeFigureOut">
               <a:rPr lang="en-US" smtClean="0"/>
-              <a:t>3/9/2018</a:t>
+              <a:t>1/28/2019</a:t>
             </a:fld>
             <a:endParaRPr lang="en-US"/>
           </a:p>
@@ -758,7 +763,7 @@
           <a:p>
             <a:fld id="{D6598D8A-86F7-49BC-8713-CAAA73ADB189}" type="datetimeFigureOut">
               <a:rPr lang="en-US" smtClean="0"/>
-              <a:t>3/9/2018</a:t>
+              <a:t>1/28/2019</a:t>
             </a:fld>
             <a:endParaRPr lang="en-US"/>
           </a:p>
@@ -1004,7 +1009,7 @@
           <a:p>
             <a:fld id="{D6598D8A-86F7-49BC-8713-CAAA73ADB189}" type="datetimeFigureOut">
               <a:rPr lang="en-US" smtClean="0"/>
-              <a:t>3/9/2018</a:t>
+              <a:t>1/28/2019</a:t>
             </a:fld>
             <a:endParaRPr lang="en-US"/>
           </a:p>
@@ -1236,7 +1241,7 @@
           <a:p>
             <a:fld id="{D6598D8A-86F7-49BC-8713-CAAA73ADB189}" type="datetimeFigureOut">
               <a:rPr lang="en-US" smtClean="0"/>
-              <a:t>3/9/2018</a:t>
+              <a:t>1/28/2019</a:t>
             </a:fld>
             <a:endParaRPr lang="en-US"/>
           </a:p>
@@ -1603,7 +1608,7 @@
           <a:p>
             <a:fld id="{D6598D8A-86F7-49BC-8713-CAAA73ADB189}" type="datetimeFigureOut">
               <a:rPr lang="en-US" smtClean="0"/>
-              <a:t>3/9/2018</a:t>
+              <a:t>1/28/2019</a:t>
             </a:fld>
             <a:endParaRPr lang="en-US"/>
           </a:p>
@@ -1721,7 +1726,7 @@
           <a:p>
             <a:fld id="{D6598D8A-86F7-49BC-8713-CAAA73ADB189}" type="datetimeFigureOut">
               <a:rPr lang="en-US" smtClean="0"/>
-              <a:t>3/9/2018</a:t>
+              <a:t>1/28/2019</a:t>
             </a:fld>
             <a:endParaRPr lang="en-US"/>
           </a:p>
@@ -1816,7 +1821,7 @@
           <a:p>
             <a:fld id="{D6598D8A-86F7-49BC-8713-CAAA73ADB189}" type="datetimeFigureOut">
               <a:rPr lang="en-US" smtClean="0"/>
-              <a:t>3/9/2018</a:t>
+              <a:t>1/28/2019</a:t>
             </a:fld>
             <a:endParaRPr lang="en-US"/>
           </a:p>
@@ -2093,7 +2098,7 @@
           <a:p>
             <a:fld id="{D6598D8A-86F7-49BC-8713-CAAA73ADB189}" type="datetimeFigureOut">
               <a:rPr lang="en-US" smtClean="0"/>
-              <a:t>3/9/2018</a:t>
+              <a:t>1/28/2019</a:t>
             </a:fld>
             <a:endParaRPr lang="en-US"/>
           </a:p>
@@ -2350,7 +2355,7 @@
           <a:p>
             <a:fld id="{D6598D8A-86F7-49BC-8713-CAAA73ADB189}" type="datetimeFigureOut">
               <a:rPr lang="en-US" smtClean="0"/>
-              <a:t>3/9/2018</a:t>
+              <a:t>1/28/2019</a:t>
             </a:fld>
             <a:endParaRPr lang="en-US"/>
           </a:p>
@@ -2563,7 +2568,7 @@
           <a:p>
             <a:fld id="{D6598D8A-86F7-49BC-8713-CAAA73ADB189}" type="datetimeFigureOut">
               <a:rPr lang="en-US" smtClean="0"/>
-              <a:t>3/9/2018</a:t>
+              <a:t>1/28/2019</a:t>
             </a:fld>
             <a:endParaRPr lang="en-US"/>
           </a:p>
@@ -3315,7 +3320,6 @@
                 <a:rPr lang="en-US" sz="1605" dirty="0"/>
                 <a:t>(NHD-HR 2013)</a:t>
               </a:r>
-              <a:endParaRPr lang="en-US" sz="1605" dirty="0"/>
             </a:p>
           </p:txBody>
         </p:sp>
@@ -3895,18 +3899,20 @@
         <p:nvCxnSpPr>
           <p:cNvPr id="80" name="Elbow Connector 79"/>
           <p:cNvCxnSpPr>
-            <a:stCxn id="3" idx="0"/>
+            <a:stCxn id="3" idx="1"/>
             <a:endCxn id="78" idx="1"/>
           </p:cNvCxnSpPr>
           <p:nvPr/>
         </p:nvCxnSpPr>
         <p:spPr>
-          <a:xfrm rot="5400000" flipH="1" flipV="1">
-            <a:off x="2773663" y="366231"/>
-            <a:ext cx="1310536" cy="3273734"/>
-          </a:xfrm>
-          <a:prstGeom prst="bentConnector2">
-            <a:avLst/>
+          <a:xfrm rot="10800000" flipH="1">
+            <a:off x="1146875" y="813286"/>
+            <a:ext cx="3918924" cy="2172837"/>
+          </a:xfrm>
+          <a:prstGeom prst="bentConnector3">
+            <a:avLst>
+              <a:gd name="adj1" fmla="val -5833"/>
+            </a:avLst>
           </a:prstGeom>
         </p:spPr>
         <p:style>
@@ -3935,8 +3941,8 @@
         </p:nvCxnSpPr>
         <p:spPr>
           <a:xfrm>
-            <a:off x="6733500" y="1347829"/>
-            <a:ext cx="3056505" cy="1310536"/>
+            <a:off x="6733496" y="813285"/>
+            <a:ext cx="3056506" cy="1845080"/>
           </a:xfrm>
           <a:prstGeom prst="bentConnector2">
             <a:avLst/>
@@ -3965,7 +3971,7 @@
         </p:nvSpPr>
         <p:spPr>
           <a:xfrm>
-            <a:off x="5065800" y="1011617"/>
+            <a:off x="5065799" y="477072"/>
             <a:ext cx="1667697" cy="672426"/>
           </a:xfrm>
           <a:prstGeom prst="flowChartDecision">
@@ -4507,7 +4513,6 @@
                 <a:rPr lang="en-US" sz="1605" dirty="0"/>
                 <a:t>(NHD-HR 2016)</a:t>
               </a:r>
-              <a:endParaRPr lang="en-US" sz="1605" dirty="0"/>
             </a:p>
           </p:txBody>
         </p:sp>
@@ -5144,6 +5149,238 @@
           </p:txBody>
         </p:sp>
       </p:grpSp>
+      <p:grpSp>
+        <p:nvGrpSpPr>
+          <p:cNvPr id="60" name="Group 59"/>
+          <p:cNvGrpSpPr/>
+          <p:nvPr/>
+        </p:nvGrpSpPr>
+        <p:grpSpPr>
+          <a:xfrm>
+            <a:off x="1146872" y="1305823"/>
+            <a:ext cx="1290383" cy="922392"/>
+            <a:chOff x="977898" y="575734"/>
+            <a:chExt cx="914400" cy="862076"/>
+          </a:xfrm>
+        </p:grpSpPr>
+        <p:sp>
+          <p:nvSpPr>
+            <p:cNvPr id="62" name="Flowchart: Process 61"/>
+            <p:cNvSpPr/>
+            <p:nvPr/>
+          </p:nvSpPr>
+          <p:spPr>
+            <a:xfrm>
+              <a:off x="977898" y="601135"/>
+              <a:ext cx="914400" cy="836675"/>
+            </a:xfrm>
+            <a:prstGeom prst="flowChartProcess">
+              <a:avLst/>
+            </a:prstGeom>
+          </p:spPr>
+          <p:style>
+            <a:lnRef idx="2">
+              <a:schemeClr val="dk1"/>
+            </a:lnRef>
+            <a:fillRef idx="1">
+              <a:schemeClr val="lt1"/>
+            </a:fillRef>
+            <a:effectRef idx="0">
+              <a:schemeClr val="dk1"/>
+            </a:effectRef>
+            <a:fontRef idx="minor">
+              <a:schemeClr val="dk1"/>
+            </a:fontRef>
+          </p:style>
+          <p:txBody>
+            <a:bodyPr rot="0" spcFirstLastPara="0" vertOverflow="overflow" horzOverflow="overflow" vert="horz" wrap="square" lIns="97838" tIns="48919" rIns="97838" bIns="0" numCol="1" spcCol="0" rtlCol="0" fromWordArt="0" anchor="b" anchorCtr="0" forceAA="0" compatLnSpc="1">
+              <a:prstTxWarp prst="textNoShape">
+                <a:avLst/>
+              </a:prstTxWarp>
+              <a:noAutofit/>
+            </a:bodyPr>
+            <a:lstStyle/>
+            <a:p>
+              <a:pPr algn="ctr"/>
+              <a:r>
+                <a:rPr lang="en-US" sz="1605" dirty="0"/>
+                <a:t>POINT</a:t>
+              </a:r>
+            </a:p>
+          </p:txBody>
+        </p:sp>
+        <p:sp>
+          <p:nvSpPr>
+            <p:cNvPr id="63" name="Flowchart: Process 62"/>
+            <p:cNvSpPr/>
+            <p:nvPr/>
+          </p:nvSpPr>
+          <p:spPr>
+            <a:xfrm>
+              <a:off x="977898" y="575734"/>
+              <a:ext cx="914400" cy="612648"/>
+            </a:xfrm>
+            <a:prstGeom prst="flowChartProcess">
+              <a:avLst/>
+            </a:prstGeom>
+          </p:spPr>
+          <p:style>
+            <a:lnRef idx="2">
+              <a:schemeClr val="dk1"/>
+            </a:lnRef>
+            <a:fillRef idx="1">
+              <a:schemeClr val="lt1"/>
+            </a:fillRef>
+            <a:effectRef idx="0">
+              <a:schemeClr val="dk1"/>
+            </a:effectRef>
+            <a:fontRef idx="minor">
+              <a:schemeClr val="dk1"/>
+            </a:fontRef>
+          </p:style>
+          <p:txBody>
+            <a:bodyPr rot="0" spcFirstLastPara="0" vertOverflow="overflow" horzOverflow="overflow" vert="horz" wrap="square" lIns="97838" tIns="48919" rIns="97838" bIns="48919" numCol="1" spcCol="0" rtlCol="0" fromWordArt="0" anchor="ctr" anchorCtr="0" forceAA="0" compatLnSpc="1">
+              <a:prstTxWarp prst="textNoShape">
+                <a:avLst/>
+              </a:prstTxWarp>
+              <a:noAutofit/>
+            </a:bodyPr>
+            <a:lstStyle/>
+            <a:p>
+              <a:pPr algn="ctr"/>
+              <a:r>
+                <a:rPr lang="en-US" sz="1605" dirty="0" smtClean="0"/>
+                <a:t>NLA Site (2007/2012)</a:t>
+              </a:r>
+              <a:endParaRPr lang="en-US" sz="1605" dirty="0"/>
+            </a:p>
+          </p:txBody>
+        </p:sp>
+      </p:grpSp>
+      <p:sp>
+        <p:nvSpPr>
+          <p:cNvPr id="73" name="Flowchart: Decision 72"/>
+          <p:cNvSpPr/>
+          <p:nvPr/>
+        </p:nvSpPr>
+        <p:spPr>
+          <a:xfrm>
+            <a:off x="5204712" y="1271238"/>
+            <a:ext cx="1389870" cy="672426"/>
+          </a:xfrm>
+          <a:prstGeom prst="flowChartDecision">
+            <a:avLst/>
+          </a:prstGeom>
+        </p:spPr>
+        <p:style>
+          <a:lnRef idx="2">
+            <a:schemeClr val="accent3">
+              <a:shade val="50000"/>
+            </a:schemeClr>
+          </a:lnRef>
+          <a:fillRef idx="1">
+            <a:schemeClr val="accent3"/>
+          </a:fillRef>
+          <a:effectRef idx="0">
+            <a:schemeClr val="accent3"/>
+          </a:effectRef>
+          <a:fontRef idx="minor">
+            <a:schemeClr val="lt1"/>
+          </a:fontRef>
+        </p:style>
+        <p:txBody>
+          <a:bodyPr rot="0" spcFirstLastPara="0" vertOverflow="overflow" horzOverflow="overflow" vert="horz" wrap="square" lIns="97838" tIns="48919" rIns="97838" bIns="48919" numCol="1" spcCol="0" rtlCol="0" fromWordArt="0" anchor="ctr" anchorCtr="0" forceAA="0" compatLnSpc="1">
+            <a:prstTxWarp prst="textNoShape">
+              <a:avLst/>
+            </a:prstTxWarp>
+            <a:noAutofit/>
+          </a:bodyPr>
+          <a:lstStyle/>
+          <a:p>
+            <a:pPr algn="ctr"/>
+            <a:r>
+              <a:rPr lang="en-US" sz="1391" dirty="0"/>
+              <a:t>shares </a:t>
+            </a:r>
+            <a:r>
+              <a:rPr lang="en-US" sz="1391" dirty="0" smtClean="0"/>
+              <a:t>id</a:t>
+            </a:r>
+            <a:endParaRPr lang="en-US" sz="1391" dirty="0"/>
+          </a:p>
+        </p:txBody>
+      </p:sp>
+      <p:cxnSp>
+        <p:nvCxnSpPr>
+          <p:cNvPr id="24" name="Straight Connector 23"/>
+          <p:cNvCxnSpPr>
+            <a:stCxn id="63" idx="3"/>
+            <a:endCxn id="73" idx="1"/>
+          </p:cNvCxnSpPr>
+          <p:nvPr/>
+        </p:nvCxnSpPr>
+        <p:spPr>
+          <a:xfrm flipV="1">
+            <a:off x="2437255" y="1607451"/>
+            <a:ext cx="2767457" cy="26129"/>
+          </a:xfrm>
+          <a:prstGeom prst="line">
+            <a:avLst/>
+          </a:prstGeom>
+          <a:ln>
+            <a:solidFill>
+              <a:schemeClr val="tx1"/>
+            </a:solidFill>
+          </a:ln>
+        </p:spPr>
+        <p:style>
+          <a:lnRef idx="1">
+            <a:schemeClr val="accent1"/>
+          </a:lnRef>
+          <a:fillRef idx="0">
+            <a:schemeClr val="accent1"/>
+          </a:fillRef>
+          <a:effectRef idx="0">
+            <a:schemeClr val="accent1"/>
+          </a:effectRef>
+          <a:fontRef idx="minor">
+            <a:schemeClr val="tx1"/>
+          </a:fontRef>
+        </p:style>
+      </p:cxnSp>
+      <p:cxnSp>
+        <p:nvCxnSpPr>
+          <p:cNvPr id="79" name="Elbow Connector 78"/>
+          <p:cNvCxnSpPr>
+            <a:stCxn id="73" idx="3"/>
+            <a:endCxn id="33" idx="0"/>
+          </p:cNvCxnSpPr>
+          <p:nvPr/>
+        </p:nvCxnSpPr>
+        <p:spPr>
+          <a:xfrm>
+            <a:off x="6594582" y="1607451"/>
+            <a:ext cx="3195420" cy="1050914"/>
+          </a:xfrm>
+          <a:prstGeom prst="bentConnector2">
+            <a:avLst/>
+          </a:prstGeom>
+        </p:spPr>
+        <p:style>
+          <a:lnRef idx="1">
+            <a:schemeClr val="dk1"/>
+          </a:lnRef>
+          <a:fillRef idx="0">
+            <a:schemeClr val="dk1"/>
+          </a:fillRef>
+          <a:effectRef idx="0">
+            <a:schemeClr val="dk1"/>
+          </a:effectRef>
+          <a:fontRef idx="minor">
+            <a:schemeClr val="tx1"/>
+          </a:fontRef>
+        </p:style>
+      </p:cxnSp>
     </p:spTree>
     <p:extLst>
       <p:ext uri="{BB962C8B-B14F-4D97-AF65-F5344CB8AC3E}">
